--- a/懶人包.pptx
+++ b/懶人包.pptx
@@ -27,6 +27,7 @@
     <p:sldId id="288" r:id="rId21"/>
     <p:sldId id="289" r:id="rId22"/>
     <p:sldId id="276" r:id="rId23"/>
+    <p:sldId id="290" r:id="rId24"/>
   </p:sldIdLst>
   <p:sldSz cx="12192000" cy="6858000"/>
   <p:notesSz cx="6858000" cy="9144000"/>
@@ -125,6 +126,22 @@
       </a:defRPr>
     </a:lvl9pPr>
   </p:defaultTextStyle>
+  <p:extLst>
+    <p:ext uri="{EFAFB233-063F-42B5-8137-9DF3F51BA10A}">
+      <p15:sldGuideLst xmlns:p15="http://schemas.microsoft.com/office/powerpoint/2012/main">
+        <p15:guide id="1" orient="horz" pos="2160">
+          <p15:clr>
+            <a:srgbClr val="A4A3A4"/>
+          </p15:clr>
+        </p15:guide>
+        <p15:guide id="2" pos="3840">
+          <p15:clr>
+            <a:srgbClr val="A4A3A4"/>
+          </p15:clr>
+        </p15:guide>
+      </p15:sldGuideLst>
+    </p:ext>
+  </p:extLst>
 </p:presentation>
 </file>
 
@@ -2045,11 +2062,7 @@
         <a:p>
           <a:r>
             <a:rPr lang="zh-TW" altLang="en-US" sz="2800" b="1" dirty="0" smtClean="0"/>
-            <a:t>張力仁</a:t>
-          </a:r>
-          <a:r>
-            <a:rPr lang="zh-TW" altLang="en-US" sz="2800" b="1" dirty="0" smtClean="0"/>
-            <a:t>、張美詩</a:t>
+            <a:t>張力仁、張美詩</a:t>
           </a:r>
           <a:endParaRPr lang="en-US" sz="2800" b="1" dirty="0"/>
         </a:p>
@@ -2142,11 +2155,7 @@
           </a:r>
           <a:r>
             <a:rPr lang="zh-TW" altLang="en-US" sz="2800" b="1" dirty="0" smtClean="0"/>
-            <a:t>、</a:t>
-          </a:r>
-          <a:r>
-            <a:rPr lang="zh-TW" altLang="en-US" sz="2800" b="1" dirty="0" smtClean="0"/>
-            <a:t>資料庫</a:t>
+            <a:t>、資料庫</a:t>
           </a:r>
           <a:endParaRPr lang="en-US" altLang="zh-TW" sz="2800" b="1" dirty="0" smtClean="0"/>
         </a:p>
@@ -2250,11 +2259,7 @@
         <a:p>
           <a:r>
             <a:rPr lang="zh-TW" altLang="en-US" b="1" dirty="0" smtClean="0"/>
-            <a:t>前</a:t>
-          </a:r>
-          <a:r>
-            <a:rPr lang="zh-TW" altLang="en-US" b="1" dirty="0" smtClean="0"/>
-            <a:t>端</a:t>
+            <a:t>前端</a:t>
           </a:r>
           <a:endParaRPr lang="en-US" altLang="zh-TW" b="1" dirty="0" smtClean="0"/>
         </a:p>
@@ -2347,6 +2352,13 @@
     <dgm:pt modelId="{4488CE85-CE39-460B-B689-B42CE243A2CB}" type="pres">
       <dgm:prSet presAssocID="{047839E2-48C8-4899-975A-ACF4FB710D74}" presName="parTrans" presStyleLbl="bgSibTrans2D1" presStyleIdx="1" presStyleCnt="5"/>
       <dgm:spPr/>
+      <dgm:t>
+        <a:bodyPr/>
+        <a:lstStyle/>
+        <a:p>
+          <a:endParaRPr lang="en-US"/>
+        </a:p>
+      </dgm:t>
     </dgm:pt>
     <dgm:pt modelId="{7E80948F-01DE-42B3-A26A-C6D2ECA6E28D}" type="pres">
       <dgm:prSet presAssocID="{AC547C39-2A74-4770-B159-295593516181}" presName="node" presStyleLbl="node1" presStyleIdx="1" presStyleCnt="5" custScaleX="122307" custScaleY="106185" custRadScaleRad="126320" custRadScaleInc="-15861">
@@ -2443,24 +2455,24 @@
     </dgm:pt>
   </dgm:ptLst>
   <dgm:cxnLst>
-    <dgm:cxn modelId="{B52EEAFC-DC2D-4D70-AE6F-70C81B5AB36A}" type="presOf" srcId="{293BAEBF-BA7B-4BBA-B822-548480D3A8E4}" destId="{C4F6C703-7CB4-4014-8A93-592325AE8E4A}" srcOrd="0" destOrd="0" presId="urn:microsoft.com/office/officeart/2005/8/layout/radial4"/>
-    <dgm:cxn modelId="{1357D7D1-E332-43E5-A089-4D6E25ED1706}" type="presOf" srcId="{4C9E73BA-D658-48B4-8B7C-14FD5C9F1564}" destId="{09DDAE2C-1A5D-4058-A526-129A036A757F}" srcOrd="0" destOrd="0" presId="urn:microsoft.com/office/officeart/2005/8/layout/radial4"/>
-    <dgm:cxn modelId="{0BD42548-D26C-4851-8F60-D0875B7467C8}" type="presOf" srcId="{5C112358-DA4C-4429-B18D-55D2957A8F30}" destId="{4B7BFA50-1B48-41E4-B76E-5318CCAA41E9}" srcOrd="0" destOrd="0" presId="urn:microsoft.com/office/officeart/2005/8/layout/radial4"/>
-    <dgm:cxn modelId="{6D008BC2-79F3-4D5C-882A-9D7DA5CE9A5E}" srcId="{DBB68BF3-00FF-4F04-9FF7-445EFC7A9B3A}" destId="{4C9E73BA-D658-48B4-8B7C-14FD5C9F1564}" srcOrd="0" destOrd="0" parTransId="{DA09EBFF-9EE8-451C-A076-F1E27E3980C8}" sibTransId="{6AA80629-DCF5-45BC-B241-79E1F50BF307}"/>
     <dgm:cxn modelId="{FED84513-0383-4331-B528-8B82981ADFC7}" type="presOf" srcId="{0304AB7A-BCC0-4F4B-9CE1-4E0273043046}" destId="{C92C53CB-785E-474A-889F-D7DB81EB8D9B}" srcOrd="0" destOrd="0" presId="urn:microsoft.com/office/officeart/2005/8/layout/radial4"/>
-    <dgm:cxn modelId="{492676DA-446C-4DED-8DBF-3FC8AA2ADE50}" srcId="{DBB68BF3-00FF-4F04-9FF7-445EFC7A9B3A}" destId="{70F6E13B-189B-41BE-9918-F4C0D197BCED}" srcOrd="2" destOrd="0" parTransId="{51971E4C-2F2B-4C99-9480-E0FA36802ED4}" sibTransId="{255634F2-10A6-4005-9155-2395223C9AC5}"/>
-    <dgm:cxn modelId="{CFB2301B-9C5C-468A-BB70-CF765B9B5C13}" type="presOf" srcId="{51971E4C-2F2B-4C99-9480-E0FA36802ED4}" destId="{6FAE2531-095B-496D-9B08-1DD1CF10DC76}" srcOrd="0" destOrd="0" presId="urn:microsoft.com/office/officeart/2005/8/layout/radial4"/>
-    <dgm:cxn modelId="{261B5F3C-D2BA-40DB-A42C-656E8A4EA3EF}" srcId="{DBB68BF3-00FF-4F04-9FF7-445EFC7A9B3A}" destId="{AC547C39-2A74-4770-B159-295593516181}" srcOrd="1" destOrd="0" parTransId="{047839E2-48C8-4899-975A-ACF4FB710D74}" sibTransId="{1E45AF70-293D-4EA5-945E-6487D0E3E125}"/>
-    <dgm:cxn modelId="{F566BEC0-31B5-48D8-8EB1-9BAFE4970829}" type="presOf" srcId="{047839E2-48C8-4899-975A-ACF4FB710D74}" destId="{4488CE85-CE39-460B-B689-B42CE243A2CB}" srcOrd="0" destOrd="0" presId="urn:microsoft.com/office/officeart/2005/8/layout/radial4"/>
-    <dgm:cxn modelId="{7132377D-A1A5-402B-9CF7-9239F4635163}" srcId="{4F2B6B1E-3FFD-4195-9B30-4A4C7C6AED64}" destId="{DBB68BF3-00FF-4F04-9FF7-445EFC7A9B3A}" srcOrd="0" destOrd="0" parTransId="{73EF0D1A-ED79-422E-93D5-65F1F458FB84}" sibTransId="{BA58D8DB-2CF2-4FCA-B25C-279D253101C9}"/>
+    <dgm:cxn modelId="{7C5F9285-F19A-40DA-9506-B1E4166FC729}" type="presOf" srcId="{AC547C39-2A74-4770-B159-295593516181}" destId="{7E80948F-01DE-42B3-A26A-C6D2ECA6E28D}" srcOrd="0" destOrd="0" presId="urn:microsoft.com/office/officeart/2005/8/layout/radial4"/>
     <dgm:cxn modelId="{F64687A1-4DF0-46ED-BC7E-DD096B0FDC3E}" srcId="{DBB68BF3-00FF-4F04-9FF7-445EFC7A9B3A}" destId="{1BCC6472-C4CF-4B36-B5CF-30ECCE693C48}" srcOrd="3" destOrd="0" parTransId="{5C112358-DA4C-4429-B18D-55D2957A8F30}" sibTransId="{6D8AFA2D-2774-47B2-9210-F57835A8C8AE}"/>
     <dgm:cxn modelId="{9193AC16-D33B-412C-85C5-0DCE1B86D6D3}" type="presOf" srcId="{DBB68BF3-00FF-4F04-9FF7-445EFC7A9B3A}" destId="{77E75064-1697-40AA-A60A-A828B4E6C474}" srcOrd="0" destOrd="0" presId="urn:microsoft.com/office/officeart/2005/8/layout/radial4"/>
+    <dgm:cxn modelId="{B8DC7717-7F57-4DF3-A0AA-172EC2907261}" srcId="{DBB68BF3-00FF-4F04-9FF7-445EFC7A9B3A}" destId="{293BAEBF-BA7B-4BBA-B822-548480D3A8E4}" srcOrd="4" destOrd="0" parTransId="{0304AB7A-BCC0-4F4B-9CE1-4E0273043046}" sibTransId="{F00683CB-67C0-498B-9103-569FDB90BBC2}"/>
+    <dgm:cxn modelId="{261B5F3C-D2BA-40DB-A42C-656E8A4EA3EF}" srcId="{DBB68BF3-00FF-4F04-9FF7-445EFC7A9B3A}" destId="{AC547C39-2A74-4770-B159-295593516181}" srcOrd="1" destOrd="0" parTransId="{047839E2-48C8-4899-975A-ACF4FB710D74}" sibTransId="{1E45AF70-293D-4EA5-945E-6487D0E3E125}"/>
+    <dgm:cxn modelId="{1357D7D1-E332-43E5-A089-4D6E25ED1706}" type="presOf" srcId="{4C9E73BA-D658-48B4-8B7C-14FD5C9F1564}" destId="{09DDAE2C-1A5D-4058-A526-129A036A757F}" srcOrd="0" destOrd="0" presId="urn:microsoft.com/office/officeart/2005/8/layout/radial4"/>
+    <dgm:cxn modelId="{CFB2301B-9C5C-468A-BB70-CF765B9B5C13}" type="presOf" srcId="{51971E4C-2F2B-4C99-9480-E0FA36802ED4}" destId="{6FAE2531-095B-496D-9B08-1DD1CF10DC76}" srcOrd="0" destOrd="0" presId="urn:microsoft.com/office/officeart/2005/8/layout/radial4"/>
     <dgm:cxn modelId="{3680B27C-F8CB-4646-8B42-42215A42DDD3}" type="presOf" srcId="{70F6E13B-189B-41BE-9918-F4C0D197BCED}" destId="{8CD01A26-C946-4216-AE2C-F4756DFC02DC}" srcOrd="0" destOrd="0" presId="urn:microsoft.com/office/officeart/2005/8/layout/radial4"/>
+    <dgm:cxn modelId="{24C345B8-2F43-44CF-B156-48883ACD5A4B}" type="presOf" srcId="{DA09EBFF-9EE8-451C-A076-F1E27E3980C8}" destId="{DF08D3A9-9815-4666-BD6B-6A6587CD755A}" srcOrd="0" destOrd="0" presId="urn:microsoft.com/office/officeart/2005/8/layout/radial4"/>
+    <dgm:cxn modelId="{492676DA-446C-4DED-8DBF-3FC8AA2ADE50}" srcId="{DBB68BF3-00FF-4F04-9FF7-445EFC7A9B3A}" destId="{70F6E13B-189B-41BE-9918-F4C0D197BCED}" srcOrd="2" destOrd="0" parTransId="{51971E4C-2F2B-4C99-9480-E0FA36802ED4}" sibTransId="{255634F2-10A6-4005-9155-2395223C9AC5}"/>
+    <dgm:cxn modelId="{F566BEC0-31B5-48D8-8EB1-9BAFE4970829}" type="presOf" srcId="{047839E2-48C8-4899-975A-ACF4FB710D74}" destId="{4488CE85-CE39-460B-B689-B42CE243A2CB}" srcOrd="0" destOrd="0" presId="urn:microsoft.com/office/officeart/2005/8/layout/radial4"/>
+    <dgm:cxn modelId="{B52EEAFC-DC2D-4D70-AE6F-70C81B5AB36A}" type="presOf" srcId="{293BAEBF-BA7B-4BBA-B822-548480D3A8E4}" destId="{C4F6C703-7CB4-4014-8A93-592325AE8E4A}" srcOrd="0" destOrd="0" presId="urn:microsoft.com/office/officeart/2005/8/layout/radial4"/>
+    <dgm:cxn modelId="{0BD42548-D26C-4851-8F60-D0875B7467C8}" type="presOf" srcId="{5C112358-DA4C-4429-B18D-55D2957A8F30}" destId="{4B7BFA50-1B48-41E4-B76E-5318CCAA41E9}" srcOrd="0" destOrd="0" presId="urn:microsoft.com/office/officeart/2005/8/layout/radial4"/>
+    <dgm:cxn modelId="{C3830C63-EB35-43F8-B773-DC9052F87217}" type="presOf" srcId="{4F2B6B1E-3FFD-4195-9B30-4A4C7C6AED64}" destId="{48DEC449-3ED4-47C8-AFEE-D060F20DF8E6}" srcOrd="0" destOrd="0" presId="urn:microsoft.com/office/officeart/2005/8/layout/radial4"/>
+    <dgm:cxn modelId="{6D008BC2-79F3-4D5C-882A-9D7DA5CE9A5E}" srcId="{DBB68BF3-00FF-4F04-9FF7-445EFC7A9B3A}" destId="{4C9E73BA-D658-48B4-8B7C-14FD5C9F1564}" srcOrd="0" destOrd="0" parTransId="{DA09EBFF-9EE8-451C-A076-F1E27E3980C8}" sibTransId="{6AA80629-DCF5-45BC-B241-79E1F50BF307}"/>
+    <dgm:cxn modelId="{7132377D-A1A5-402B-9CF7-9239F4635163}" srcId="{4F2B6B1E-3FFD-4195-9B30-4A4C7C6AED64}" destId="{DBB68BF3-00FF-4F04-9FF7-445EFC7A9B3A}" srcOrd="0" destOrd="0" parTransId="{73EF0D1A-ED79-422E-93D5-65F1F458FB84}" sibTransId="{BA58D8DB-2CF2-4FCA-B25C-279D253101C9}"/>
     <dgm:cxn modelId="{B84CF644-DF92-4684-ACBD-E70865B8A8B2}" type="presOf" srcId="{1BCC6472-C4CF-4B36-B5CF-30ECCE693C48}" destId="{1BC5227B-7615-48AA-A94C-D0FA111357E4}" srcOrd="0" destOrd="0" presId="urn:microsoft.com/office/officeart/2005/8/layout/radial4"/>
-    <dgm:cxn modelId="{C3830C63-EB35-43F8-B773-DC9052F87217}" type="presOf" srcId="{4F2B6B1E-3FFD-4195-9B30-4A4C7C6AED64}" destId="{48DEC449-3ED4-47C8-AFEE-D060F20DF8E6}" srcOrd="0" destOrd="0" presId="urn:microsoft.com/office/officeart/2005/8/layout/radial4"/>
-    <dgm:cxn modelId="{7C5F9285-F19A-40DA-9506-B1E4166FC729}" type="presOf" srcId="{AC547C39-2A74-4770-B159-295593516181}" destId="{7E80948F-01DE-42B3-A26A-C6D2ECA6E28D}" srcOrd="0" destOrd="0" presId="urn:microsoft.com/office/officeart/2005/8/layout/radial4"/>
-    <dgm:cxn modelId="{B8DC7717-7F57-4DF3-A0AA-172EC2907261}" srcId="{DBB68BF3-00FF-4F04-9FF7-445EFC7A9B3A}" destId="{293BAEBF-BA7B-4BBA-B822-548480D3A8E4}" srcOrd="4" destOrd="0" parTransId="{0304AB7A-BCC0-4F4B-9CE1-4E0273043046}" sibTransId="{F00683CB-67C0-498B-9103-569FDB90BBC2}"/>
-    <dgm:cxn modelId="{24C345B8-2F43-44CF-B156-48883ACD5A4B}" type="presOf" srcId="{DA09EBFF-9EE8-451C-A076-F1E27E3980C8}" destId="{DF08D3A9-9815-4666-BD6B-6A6587CD755A}" srcOrd="0" destOrd="0" presId="urn:microsoft.com/office/officeart/2005/8/layout/radial4"/>
     <dgm:cxn modelId="{903058AD-E31E-46FA-AC93-447786B4A395}" type="presParOf" srcId="{48DEC449-3ED4-47C8-AFEE-D060F20DF8E6}" destId="{77E75064-1697-40AA-A60A-A828B4E6C474}" srcOrd="0" destOrd="0" presId="urn:microsoft.com/office/officeart/2005/8/layout/radial4"/>
     <dgm:cxn modelId="{FF3C2995-D4B1-4B89-B1AE-CDE8542008C4}" type="presParOf" srcId="{48DEC449-3ED4-47C8-AFEE-D060F20DF8E6}" destId="{DF08D3A9-9815-4666-BD6B-6A6587CD755A}" srcOrd="1" destOrd="0" presId="urn:microsoft.com/office/officeart/2005/8/layout/radial4"/>
     <dgm:cxn modelId="{48DF2692-1E28-40C1-BA97-A4400242DC1D}" type="presParOf" srcId="{48DEC449-3ED4-47C8-AFEE-D060F20DF8E6}" destId="{09DDAE2C-1A5D-4058-A526-129A036A757F}" srcOrd="2" destOrd="0" presId="urn:microsoft.com/office/officeart/2005/8/layout/radial4"/>
@@ -2477,7 +2489,7 @@
   <dgm:whole/>
   <dgm:extLst>
     <a:ext uri="http://schemas.microsoft.com/office/drawing/2008/diagram">
-      <dsp:dataModelExt xmlns:dsp="http://schemas.microsoft.com/office/drawing/2008/diagram" xmlns="" relId="rId6" minVer="http://schemas.openxmlformats.org/drawingml/2006/diagram"/>
+      <dsp:dataModelExt xmlns:dsp="http://schemas.microsoft.com/office/drawing/2008/diagram" relId="rId6" minVer="http://schemas.openxmlformats.org/drawingml/2006/diagram"/>
     </a:ext>
   </dgm:extLst>
 </dgm:dataModel>
@@ -2691,12 +2703,12 @@
   </dgm:ptLst>
   <dgm:cxnLst>
     <dgm:cxn modelId="{C0153944-A5A4-42B4-B87A-B2A2B5C34630}" type="presOf" srcId="{20041A7E-BFE7-4C80-91DF-C562E7C2FF63}" destId="{7FAF8954-2010-4E43-8A65-7A44200B8D98}" srcOrd="0" destOrd="0" presId="urn:microsoft.com/office/officeart/2005/8/layout/chevron1"/>
-    <dgm:cxn modelId="{1D1EBB71-6DD0-486E-A4AD-9D7F61228750}" type="presOf" srcId="{9132885A-62C7-4B4F-925B-AF0D827CBE9F}" destId="{9542D752-E2A8-495E-8BFA-1533D26AB69F}" srcOrd="0" destOrd="0" presId="urn:microsoft.com/office/officeart/2005/8/layout/chevron1"/>
     <dgm:cxn modelId="{C010B6B7-57E4-4A6D-93E3-7BB57E456468}" srcId="{9132885A-62C7-4B4F-925B-AF0D827CBE9F}" destId="{20041A7E-BFE7-4C80-91DF-C562E7C2FF63}" srcOrd="0" destOrd="0" parTransId="{B3D574DA-E82C-47EA-97C1-EA26ACB8DEBD}" sibTransId="{DD449FB8-AA70-46F6-9AC0-42116C189A39}"/>
-    <dgm:cxn modelId="{335D2BDE-8732-43E2-9F48-47A81CCF85C5}" srcId="{9132885A-62C7-4B4F-925B-AF0D827CBE9F}" destId="{DD41BE2F-2A9B-4730-9CD8-945656C3AB6E}" srcOrd="1" destOrd="0" parTransId="{D931FC2D-DCB0-46D5-A040-A56C9701C3D5}" sibTransId="{2FDD3B0F-A9B5-4C20-AB29-120A0F8764E9}"/>
-    <dgm:cxn modelId="{B8703710-D37F-4E3D-B540-58427E4F87A3}" srcId="{9132885A-62C7-4B4F-925B-AF0D827CBE9F}" destId="{F95BC2F7-4B8B-46B6-8623-5D8EDF853B54}" srcOrd="2" destOrd="0" parTransId="{341AF34B-2A1C-4409-8914-2C113DE6EEC3}" sibTransId="{6AAE2BD6-A1C1-44D2-B7A9-13A8FEB13EE8}"/>
     <dgm:cxn modelId="{2EAE1786-5897-47B2-A04F-26A1EA03709F}" type="presOf" srcId="{F95BC2F7-4B8B-46B6-8623-5D8EDF853B54}" destId="{8DE7193A-2D5D-43B2-B267-5C8DCF447898}" srcOrd="0" destOrd="0" presId="urn:microsoft.com/office/officeart/2005/8/layout/chevron1"/>
     <dgm:cxn modelId="{072C1BB8-C916-4FD3-96E6-136D39526342}" type="presOf" srcId="{DD41BE2F-2A9B-4730-9CD8-945656C3AB6E}" destId="{39518375-55C5-497C-B23D-1F2968F73B36}" srcOrd="0" destOrd="0" presId="urn:microsoft.com/office/officeart/2005/8/layout/chevron1"/>
+    <dgm:cxn modelId="{B8703710-D37F-4E3D-B540-58427E4F87A3}" srcId="{9132885A-62C7-4B4F-925B-AF0D827CBE9F}" destId="{F95BC2F7-4B8B-46B6-8623-5D8EDF853B54}" srcOrd="2" destOrd="0" parTransId="{341AF34B-2A1C-4409-8914-2C113DE6EEC3}" sibTransId="{6AAE2BD6-A1C1-44D2-B7A9-13A8FEB13EE8}"/>
+    <dgm:cxn modelId="{1D1EBB71-6DD0-486E-A4AD-9D7F61228750}" type="presOf" srcId="{9132885A-62C7-4B4F-925B-AF0D827CBE9F}" destId="{9542D752-E2A8-495E-8BFA-1533D26AB69F}" srcOrd="0" destOrd="0" presId="urn:microsoft.com/office/officeart/2005/8/layout/chevron1"/>
+    <dgm:cxn modelId="{335D2BDE-8732-43E2-9F48-47A81CCF85C5}" srcId="{9132885A-62C7-4B4F-925B-AF0D827CBE9F}" destId="{DD41BE2F-2A9B-4730-9CD8-945656C3AB6E}" srcOrd="1" destOrd="0" parTransId="{D931FC2D-DCB0-46D5-A040-A56C9701C3D5}" sibTransId="{2FDD3B0F-A9B5-4C20-AB29-120A0F8764E9}"/>
     <dgm:cxn modelId="{F4828037-01FA-421F-AF45-8AC24A02D1EA}" type="presParOf" srcId="{9542D752-E2A8-495E-8BFA-1533D26AB69F}" destId="{7FAF8954-2010-4E43-8A65-7A44200B8D98}" srcOrd="0" destOrd="0" presId="urn:microsoft.com/office/officeart/2005/8/layout/chevron1"/>
     <dgm:cxn modelId="{FA907D50-9980-405D-B000-8B2EF4D85B5F}" type="presParOf" srcId="{9542D752-E2A8-495E-8BFA-1533D26AB69F}" destId="{48CB8EF4-82B8-4671-84B4-4F677357911A}" srcOrd="1" destOrd="0" presId="urn:microsoft.com/office/officeart/2005/8/layout/chevron1"/>
     <dgm:cxn modelId="{99AABB03-AB79-4B9C-8D37-FF62E523C1C8}" type="presParOf" srcId="{9542D752-E2A8-495E-8BFA-1533D26AB69F}" destId="{39518375-55C5-497C-B23D-1F2968F73B36}" srcOrd="2" destOrd="0" presId="urn:microsoft.com/office/officeart/2005/8/layout/chevron1"/>
@@ -2707,7 +2719,7 @@
   <dgm:whole/>
   <dgm:extLst>
     <a:ext uri="http://schemas.microsoft.com/office/drawing/2008/diagram">
-      <dsp:dataModelExt xmlns:dsp="http://schemas.microsoft.com/office/drawing/2008/diagram" xmlns="" relId="rId6" minVer="http://schemas.openxmlformats.org/drawingml/2006/diagram"/>
+      <dsp:dataModelExt xmlns:dsp="http://schemas.microsoft.com/office/drawing/2008/diagram" relId="rId6" minVer="http://schemas.openxmlformats.org/drawingml/2006/diagram"/>
     </a:ext>
   </dgm:extLst>
 </dgm:dataModel>
@@ -2728,8 +2740,8 @@
       </dsp:nvSpPr>
       <dsp:spPr>
         <a:xfrm>
-          <a:off x="3913100" y="2828969"/>
-          <a:ext cx="3294515" cy="2674184"/>
+          <a:off x="4157982" y="3171498"/>
+          <a:ext cx="2868251" cy="2328182"/>
         </a:xfrm>
         <a:prstGeom prst="ellipse">
           <a:avLst/>
@@ -2775,12 +2787,12 @@
         </a:fontRef>
       </dsp:style>
       <dsp:txBody>
-        <a:bodyPr spcFirstLastPara="0" vert="horz" wrap="square" lIns="38735" tIns="38735" rIns="38735" bIns="38735" numCol="1" spcCol="1270" anchor="ctr" anchorCtr="0">
+        <a:bodyPr spcFirstLastPara="0" vert="horz" wrap="square" lIns="33655" tIns="33655" rIns="33655" bIns="33655" numCol="1" spcCol="1270" anchor="ctr" anchorCtr="0">
           <a:noAutofit/>
         </a:bodyPr>
         <a:lstStyle/>
         <a:p>
-          <a:pPr lvl="0" algn="ctr" defTabSz="2711450">
+          <a:pPr lvl="0" algn="ctr" defTabSz="2355850">
             <a:lnSpc>
               <a:spcPct val="90000"/>
             </a:lnSpc>
@@ -2792,27 +2804,27 @@
             </a:spcAft>
           </a:pPr>
           <a:r>
-            <a:rPr lang="zh-CN" altLang="en-US" sz="6100" kern="1200" dirty="0" smtClean="0"/>
+            <a:rPr lang="zh-CN" altLang="en-US" sz="5300" kern="1200" dirty="0" smtClean="0"/>
             <a:t>懶人</a:t>
           </a:r>
           <a:r>
-            <a:rPr lang="en-US" altLang="zh-CN" sz="6100" kern="1200" dirty="0" smtClean="0"/>
+            <a:rPr lang="en-US" altLang="zh-CN" sz="5300" kern="1200" dirty="0" smtClean="0"/>
             <a:t>『</a:t>
           </a:r>
           <a:r>
-            <a:rPr lang="zh-CN" altLang="en-US" sz="6100" kern="1200" dirty="0" smtClean="0"/>
+            <a:rPr lang="zh-CN" altLang="en-US" sz="5300" kern="1200" dirty="0" smtClean="0"/>
             <a:t>包</a:t>
           </a:r>
           <a:r>
-            <a:rPr lang="en-US" altLang="zh-CN" sz="6100" kern="1200" dirty="0" smtClean="0"/>
+            <a:rPr lang="en-US" altLang="zh-CN" sz="5300" kern="1200" dirty="0" smtClean="0"/>
             <a:t>』</a:t>
           </a:r>
-          <a:endParaRPr lang="en-US" sz="6100" kern="1200" dirty="0"/>
+          <a:endParaRPr lang="en-US" sz="5300" kern="1200" dirty="0"/>
         </a:p>
       </dsp:txBody>
       <dsp:txXfrm>
-        <a:off x="4395571" y="3220594"/>
-        <a:ext cx="2329573" cy="1890934"/>
+        <a:off x="4578028" y="3512452"/>
+        <a:ext cx="2028159" cy="1646274"/>
       </dsp:txXfrm>
     </dsp:sp>
     <dsp:sp modelId="{DF08D3A9-9815-4666-BD6B-6A6587CD755A}">
@@ -2821,9 +2833,9 @@
         <dsp:cNvSpPr/>
       </dsp:nvSpPr>
       <dsp:spPr>
-        <a:xfrm rot="11306250">
-          <a:off x="1541252" y="3357898"/>
-          <a:ext cx="2279772" cy="762142"/>
+        <a:xfrm rot="11013516">
+          <a:off x="1674430" y="3833361"/>
+          <a:ext cx="2353310" cy="663532"/>
         </a:xfrm>
         <a:prstGeom prst="leftArrow">
           <a:avLst>
@@ -2879,8 +2891,8 @@
       </dsp:nvSpPr>
       <dsp:spPr>
         <a:xfrm>
-          <a:off x="0" y="2492672"/>
-          <a:ext cx="3107179" cy="2158083"/>
+          <a:off x="75717" y="3152664"/>
+          <a:ext cx="3201962" cy="1878857"/>
         </a:xfrm>
         <a:prstGeom prst="roundRect">
           <a:avLst>
@@ -2946,7 +2958,7 @@
           </a:pPr>
           <a:r>
             <a:rPr lang="zh-TW" altLang="en-US" sz="2800" b="1" kern="1200" dirty="0" smtClean="0"/>
-            <a:t>前端、美術設計</a:t>
+            <a:t>圖案設計</a:t>
           </a:r>
           <a:endParaRPr lang="en-US" altLang="zh-TW" sz="2800" b="1" kern="1200" dirty="0" smtClean="0"/>
         </a:p>
@@ -2970,19 +2982,19 @@
         </a:p>
       </dsp:txBody>
       <dsp:txXfrm>
-        <a:off x="63208" y="2555880"/>
-        <a:ext cx="2980763" cy="2031667"/>
+        <a:off x="130747" y="3207694"/>
+        <a:ext cx="3091902" cy="1768797"/>
       </dsp:txXfrm>
     </dsp:sp>
-    <dsp:sp modelId="{6FAE2531-095B-496D-9B08-1DD1CF10DC76}">
+    <dsp:sp modelId="{4488CE85-CE39-460B-B689-B42CE243A2CB}">
       <dsp:nvSpPr>
         <dsp:cNvPr id="0" name=""/>
         <dsp:cNvSpPr/>
       </dsp:nvSpPr>
       <dsp:spPr>
-        <a:xfrm rot="14385423">
-          <a:off x="3342573" y="1642280"/>
-          <a:ext cx="1937092" cy="762142"/>
+        <a:xfrm rot="13157402">
+          <a:off x="1923278" y="2169036"/>
+          <a:ext cx="2852726" cy="663532"/>
         </a:xfrm>
         <a:prstGeom prst="leftArrow">
           <a:avLst>
@@ -3031,15 +3043,15 @@
         </a:fontRef>
       </dsp:style>
     </dsp:sp>
-    <dsp:sp modelId="{8CD01A26-C946-4216-AE2C-F4756DFC02DC}">
+    <dsp:sp modelId="{7E80948F-01DE-42B3-A26A-C6D2ECA6E28D}">
       <dsp:nvSpPr>
         <dsp:cNvPr id="0" name=""/>
         <dsp:cNvSpPr/>
       </dsp:nvSpPr>
       <dsp:spPr>
         <a:xfrm>
-          <a:off x="2269705" y="107585"/>
-          <a:ext cx="3107179" cy="2158083"/>
+          <a:off x="893130" y="658134"/>
+          <a:ext cx="2705154" cy="1878857"/>
         </a:xfrm>
         <a:prstGeom prst="roundRect">
           <a:avLst>
@@ -3058,6 +3070,165 @@
                 <a:lumMod val="88000"/>
               </a:schemeClr>
               <a:schemeClr val="accent3">
+                <a:hueOff val="0"/>
+                <a:satOff val="0"/>
+                <a:lumOff val="0"/>
+                <a:alphaOff val="0"/>
+              </a:schemeClr>
+            </a:duotone>
+          </a:blip>
+          <a:tile tx="0" ty="0" sx="100000" sy="100000" flip="none" algn="tl"/>
+        </a:blipFill>
+        <a:ln>
+          <a:noFill/>
+        </a:ln>
+        <a:effectLst/>
+      </dsp:spPr>
+      <dsp:style>
+        <a:lnRef idx="0">
+          <a:scrgbClr r="0" g="0" b="0"/>
+        </a:lnRef>
+        <a:fillRef idx="3">
+          <a:scrgbClr r="0" g="0" b="0"/>
+        </a:fillRef>
+        <a:effectRef idx="2">
+          <a:scrgbClr r="0" g="0" b="0"/>
+        </a:effectRef>
+        <a:fontRef idx="minor">
+          <a:schemeClr val="lt1"/>
+        </a:fontRef>
+      </dsp:style>
+      <dsp:txBody>
+        <a:bodyPr spcFirstLastPara="0" vert="horz" wrap="square" lIns="80010" tIns="80010" rIns="80010" bIns="80010" numCol="1" spcCol="1270" anchor="ctr" anchorCtr="0">
+          <a:noAutofit/>
+        </a:bodyPr>
+        <a:lstStyle/>
+        <a:p>
+          <a:pPr lvl="0" algn="ctr" defTabSz="1866900">
+            <a:lnSpc>
+              <a:spcPct val="90000"/>
+            </a:lnSpc>
+            <a:spcBef>
+              <a:spcPct val="0"/>
+            </a:spcBef>
+            <a:spcAft>
+              <a:spcPct val="35000"/>
+            </a:spcAft>
+          </a:pPr>
+          <a:r>
+            <a:rPr lang="zh-TW" altLang="en-US" sz="4200" b="1" kern="1200" dirty="0" smtClean="0"/>
+            <a:t>前端</a:t>
+          </a:r>
+          <a:endParaRPr lang="en-US" altLang="zh-TW" sz="4200" b="1" kern="1200" dirty="0" smtClean="0"/>
+        </a:p>
+        <a:p>
+          <a:pPr lvl="0" algn="ctr" defTabSz="1866900">
+            <a:lnSpc>
+              <a:spcPct val="90000"/>
+            </a:lnSpc>
+            <a:spcBef>
+              <a:spcPct val="0"/>
+            </a:spcBef>
+            <a:spcAft>
+              <a:spcPct val="35000"/>
+            </a:spcAft>
+          </a:pPr>
+          <a:r>
+            <a:rPr lang="zh-TW" altLang="en-US" sz="4200" b="1" kern="1200" dirty="0" smtClean="0"/>
+            <a:t>張力仁</a:t>
+          </a:r>
+          <a:endParaRPr lang="en-US" sz="4200" b="1" kern="1200" dirty="0"/>
+        </a:p>
+      </dsp:txBody>
+      <dsp:txXfrm>
+        <a:off x="948160" y="713164"/>
+        <a:ext cx="2595094" cy="1768797"/>
+      </dsp:txXfrm>
+    </dsp:sp>
+    <dsp:sp modelId="{6FAE2531-095B-496D-9B08-1DD1CF10DC76}">
+      <dsp:nvSpPr>
+        <dsp:cNvPr id="0" name=""/>
+        <dsp:cNvSpPr/>
+      </dsp:nvSpPr>
+      <dsp:spPr>
+        <a:xfrm rot="16302449">
+          <a:off x="4728313" y="1802945"/>
+          <a:ext cx="1858806" cy="663532"/>
+        </a:xfrm>
+        <a:prstGeom prst="leftArrow">
+          <a:avLst>
+            <a:gd name="adj1" fmla="val 60000"/>
+            <a:gd name="adj2" fmla="val 50000"/>
+          </a:avLst>
+        </a:prstGeom>
+        <a:blipFill rotWithShape="0">
+          <a:blip xmlns:r="http://schemas.openxmlformats.org/officeDocument/2006/relationships" r:embed="rId1">
+            <a:duotone>
+              <a:schemeClr val="accent4">
+                <a:hueOff val="0"/>
+                <a:satOff val="0"/>
+                <a:lumOff val="0"/>
+                <a:alphaOff val="0"/>
+                <a:shade val="88000"/>
+                <a:lumMod val="88000"/>
+              </a:schemeClr>
+              <a:schemeClr val="accent4">
+                <a:hueOff val="0"/>
+                <a:satOff val="0"/>
+                <a:lumOff val="0"/>
+                <a:alphaOff val="0"/>
+              </a:schemeClr>
+            </a:duotone>
+          </a:blip>
+          <a:tile tx="0" ty="0" sx="100000" sy="100000" flip="none" algn="tl"/>
+        </a:blipFill>
+        <a:ln>
+          <a:noFill/>
+        </a:ln>
+        <a:effectLst/>
+      </dsp:spPr>
+      <dsp:style>
+        <a:lnRef idx="0">
+          <a:scrgbClr r="0" g="0" b="0"/>
+        </a:lnRef>
+        <a:fillRef idx="3">
+          <a:scrgbClr r="0" g="0" b="0"/>
+        </a:fillRef>
+        <a:effectRef idx="2">
+          <a:scrgbClr r="0" g="0" b="0"/>
+        </a:effectRef>
+        <a:fontRef idx="minor">
+          <a:schemeClr val="lt1"/>
+        </a:fontRef>
+      </dsp:style>
+    </dsp:sp>
+    <dsp:sp modelId="{8CD01A26-C946-4216-AE2C-F4756DFC02DC}">
+      <dsp:nvSpPr>
+        <dsp:cNvPr id="0" name=""/>
+        <dsp:cNvSpPr/>
+      </dsp:nvSpPr>
+      <dsp:spPr>
+        <a:xfrm>
+          <a:off x="4044738" y="266292"/>
+          <a:ext cx="3281343" cy="1878857"/>
+        </a:xfrm>
+        <a:prstGeom prst="roundRect">
+          <a:avLst>
+            <a:gd name="adj" fmla="val 10000"/>
+          </a:avLst>
+        </a:prstGeom>
+        <a:blipFill rotWithShape="0">
+          <a:blip xmlns:r="http://schemas.openxmlformats.org/officeDocument/2006/relationships" r:embed="rId1">
+            <a:duotone>
+              <a:schemeClr val="accent4">
+                <a:hueOff val="0"/>
+                <a:satOff val="0"/>
+                <a:lumOff val="0"/>
+                <a:alphaOff val="0"/>
+                <a:shade val="88000"/>
+                <a:lumMod val="88000"/>
+              </a:schemeClr>
+              <a:schemeClr val="accent4">
                 <a:hueOff val="0"/>
                 <a:satOff val="0"/>
                 <a:lumOff val="0"/>
@@ -3137,8 +3308,8 @@
         </a:p>
       </dsp:txBody>
       <dsp:txXfrm>
-        <a:off x="2332913" y="170793"/>
-        <a:ext cx="2980763" cy="2031667"/>
+        <a:off x="4099768" y="321322"/>
+        <a:ext cx="3171283" cy="1768797"/>
       </dsp:txXfrm>
     </dsp:sp>
     <dsp:sp modelId="{4B7BFA50-1B48-41E4-B76E-5318CCAA41E9}">
@@ -3147,168 +3318,9 @@
         <dsp:cNvSpPr/>
       </dsp:nvSpPr>
       <dsp:spPr>
-        <a:xfrm rot="18069441">
-          <a:off x="5875654" y="1656330"/>
-          <a:ext cx="1943403" cy="762142"/>
-        </a:xfrm>
-        <a:prstGeom prst="leftArrow">
-          <a:avLst>
-            <a:gd name="adj1" fmla="val 60000"/>
-            <a:gd name="adj2" fmla="val 50000"/>
-          </a:avLst>
-        </a:prstGeom>
-        <a:blipFill rotWithShape="0">
-          <a:blip xmlns:r="http://schemas.openxmlformats.org/officeDocument/2006/relationships" r:embed="rId1">
-            <a:duotone>
-              <a:schemeClr val="accent4">
-                <a:hueOff val="0"/>
-                <a:satOff val="0"/>
-                <a:lumOff val="0"/>
-                <a:alphaOff val="0"/>
-                <a:shade val="88000"/>
-                <a:lumMod val="88000"/>
-              </a:schemeClr>
-              <a:schemeClr val="accent4">
-                <a:hueOff val="0"/>
-                <a:satOff val="0"/>
-                <a:lumOff val="0"/>
-                <a:alphaOff val="0"/>
-              </a:schemeClr>
-            </a:duotone>
-          </a:blip>
-          <a:tile tx="0" ty="0" sx="100000" sy="100000" flip="none" algn="tl"/>
-        </a:blipFill>
-        <a:ln>
-          <a:noFill/>
-        </a:ln>
-        <a:effectLst/>
-      </dsp:spPr>
-      <dsp:style>
-        <a:lnRef idx="0">
-          <a:scrgbClr r="0" g="0" b="0"/>
-        </a:lnRef>
-        <a:fillRef idx="3">
-          <a:scrgbClr r="0" g="0" b="0"/>
-        </a:fillRef>
-        <a:effectRef idx="2">
-          <a:scrgbClr r="0" g="0" b="0"/>
-        </a:effectRef>
-        <a:fontRef idx="minor">
-          <a:schemeClr val="lt1"/>
-        </a:fontRef>
-      </dsp:style>
-    </dsp:sp>
-    <dsp:sp modelId="{1BC5227B-7615-48AA-A94C-D0FA111357E4}">
-      <dsp:nvSpPr>
-        <dsp:cNvPr id="0" name=""/>
-        <dsp:cNvSpPr/>
-      </dsp:nvSpPr>
-      <dsp:spPr>
-        <a:xfrm>
-          <a:off x="5796515" y="126826"/>
-          <a:ext cx="3107179" cy="2158083"/>
-        </a:xfrm>
-        <a:prstGeom prst="roundRect">
-          <a:avLst>
-            <a:gd name="adj" fmla="val 10000"/>
-          </a:avLst>
-        </a:prstGeom>
-        <a:blipFill rotWithShape="0">
-          <a:blip xmlns:r="http://schemas.openxmlformats.org/officeDocument/2006/relationships" r:embed="rId1">
-            <a:duotone>
-              <a:schemeClr val="accent4">
-                <a:hueOff val="0"/>
-                <a:satOff val="0"/>
-                <a:lumOff val="0"/>
-                <a:alphaOff val="0"/>
-                <a:shade val="88000"/>
-                <a:lumMod val="88000"/>
-              </a:schemeClr>
-              <a:schemeClr val="accent4">
-                <a:hueOff val="0"/>
-                <a:satOff val="0"/>
-                <a:lumOff val="0"/>
-                <a:alphaOff val="0"/>
-              </a:schemeClr>
-            </a:duotone>
-          </a:blip>
-          <a:tile tx="0" ty="0" sx="100000" sy="100000" flip="none" algn="tl"/>
-        </a:blipFill>
-        <a:ln>
-          <a:noFill/>
-        </a:ln>
-        <a:effectLst/>
-      </dsp:spPr>
-      <dsp:style>
-        <a:lnRef idx="0">
-          <a:scrgbClr r="0" g="0" b="0"/>
-        </a:lnRef>
-        <a:fillRef idx="3">
-          <a:scrgbClr r="0" g="0" b="0"/>
-        </a:fillRef>
-        <a:effectRef idx="2">
-          <a:scrgbClr r="0" g="0" b="0"/>
-        </a:effectRef>
-        <a:fontRef idx="minor">
-          <a:schemeClr val="lt1"/>
-        </a:fontRef>
-      </dsp:style>
-      <dsp:txBody>
-        <a:bodyPr spcFirstLastPara="0" vert="horz" wrap="square" lIns="53340" tIns="53340" rIns="53340" bIns="53340" numCol="1" spcCol="1270" anchor="ctr" anchorCtr="0">
-          <a:noAutofit/>
-        </a:bodyPr>
-        <a:lstStyle/>
-        <a:p>
-          <a:pPr lvl="0" algn="ctr" defTabSz="1244600">
-            <a:lnSpc>
-              <a:spcPct val="90000"/>
-            </a:lnSpc>
-            <a:spcBef>
-              <a:spcPct val="0"/>
-            </a:spcBef>
-            <a:spcAft>
-              <a:spcPct val="35000"/>
-            </a:spcAft>
-          </a:pPr>
-          <a:r>
-            <a:rPr lang="zh-TW" altLang="en-US" sz="2800" b="1" kern="1200" dirty="0" smtClean="0"/>
-            <a:t>網站架設、資料庫</a:t>
-          </a:r>
-          <a:endParaRPr lang="en-US" altLang="zh-TW" sz="2800" b="1" kern="1200" dirty="0" smtClean="0"/>
-        </a:p>
-        <a:p>
-          <a:pPr lvl="0" algn="ctr" defTabSz="1244600">
-            <a:lnSpc>
-              <a:spcPct val="90000"/>
-            </a:lnSpc>
-            <a:spcBef>
-              <a:spcPct val="0"/>
-            </a:spcBef>
-            <a:spcAft>
-              <a:spcPct val="35000"/>
-            </a:spcAft>
-          </a:pPr>
-          <a:r>
-            <a:rPr lang="zh-TW" altLang="en-US" sz="2800" b="1" kern="1200" dirty="0" smtClean="0"/>
-            <a:t>吳銘彥</a:t>
-          </a:r>
-          <a:endParaRPr lang="en-US" sz="2800" b="1" kern="1200" dirty="0"/>
-        </a:p>
-      </dsp:txBody>
-      <dsp:txXfrm>
-        <a:off x="5859723" y="190034"/>
-        <a:ext cx="2980763" cy="2031667"/>
-      </dsp:txXfrm>
-    </dsp:sp>
-    <dsp:sp modelId="{C92C53CB-785E-474A-889F-D7DB81EB8D9B}">
-      <dsp:nvSpPr>
-        <dsp:cNvPr id="0" name=""/>
-        <dsp:cNvSpPr/>
-      </dsp:nvSpPr>
-      <dsp:spPr>
-        <a:xfrm rot="21249099">
-          <a:off x="7310162" y="3498778"/>
-          <a:ext cx="2088887" cy="762142"/>
+        <a:xfrm rot="19750889">
+          <a:off x="6692436" y="2547885"/>
+          <a:ext cx="2680472" cy="663532"/>
         </a:xfrm>
         <a:prstGeom prst="leftArrow">
           <a:avLst>
@@ -3357,15 +3369,15 @@
         </a:fontRef>
       </dsp:style>
     </dsp:sp>
-    <dsp:sp modelId="{C4F6C703-7CB4-4014-8A93-592325AE8E4A}">
+    <dsp:sp modelId="{1BC5227B-7615-48AA-A94C-D0FA111357E4}">
       <dsp:nvSpPr>
         <dsp:cNvPr id="0" name=""/>
         <dsp:cNvSpPr/>
       </dsp:nvSpPr>
       <dsp:spPr>
         <a:xfrm>
-          <a:off x="7840023" y="2694384"/>
-          <a:ext cx="3107179" cy="2158083"/>
+          <a:off x="7831083" y="1253592"/>
+          <a:ext cx="2705154" cy="1878857"/>
         </a:xfrm>
         <a:prstGeom prst="roundRect">
           <a:avLst>
@@ -3384,6 +3396,169 @@
                 <a:lumMod val="88000"/>
               </a:schemeClr>
               <a:schemeClr val="accent5">
+                <a:hueOff val="0"/>
+                <a:satOff val="0"/>
+                <a:lumOff val="0"/>
+                <a:alphaOff val="0"/>
+              </a:schemeClr>
+            </a:duotone>
+          </a:blip>
+          <a:tile tx="0" ty="0" sx="100000" sy="100000" flip="none" algn="tl"/>
+        </a:blipFill>
+        <a:ln>
+          <a:noFill/>
+        </a:ln>
+        <a:effectLst/>
+      </dsp:spPr>
+      <dsp:style>
+        <a:lnRef idx="0">
+          <a:scrgbClr r="0" g="0" b="0"/>
+        </a:lnRef>
+        <a:fillRef idx="3">
+          <a:scrgbClr r="0" g="0" b="0"/>
+        </a:fillRef>
+        <a:effectRef idx="2">
+          <a:scrgbClr r="0" g="0" b="0"/>
+        </a:effectRef>
+        <a:fontRef idx="minor">
+          <a:schemeClr val="lt1"/>
+        </a:fontRef>
+      </dsp:style>
+      <dsp:txBody>
+        <a:bodyPr spcFirstLastPara="0" vert="horz" wrap="square" lIns="53340" tIns="53340" rIns="53340" bIns="53340" numCol="1" spcCol="1270" anchor="ctr" anchorCtr="0">
+          <a:noAutofit/>
+        </a:bodyPr>
+        <a:lstStyle/>
+        <a:p>
+          <a:pPr lvl="0" algn="ctr" defTabSz="1244600">
+            <a:lnSpc>
+              <a:spcPct val="90000"/>
+            </a:lnSpc>
+            <a:spcBef>
+              <a:spcPct val="0"/>
+            </a:spcBef>
+            <a:spcAft>
+              <a:spcPct val="35000"/>
+            </a:spcAft>
+          </a:pPr>
+          <a:r>
+            <a:rPr lang="en-US" altLang="zh-TW" sz="2800" b="1" kern="1200" dirty="0" smtClean="0"/>
+            <a:t>Model</a:t>
+          </a:r>
+          <a:r>
+            <a:rPr lang="zh-TW" altLang="en-US" sz="2800" b="1" kern="1200" dirty="0" smtClean="0"/>
+            <a:t>、資料庫</a:t>
+          </a:r>
+          <a:endParaRPr lang="en-US" altLang="zh-TW" sz="2800" b="1" kern="1200" dirty="0" smtClean="0"/>
+        </a:p>
+        <a:p>
+          <a:pPr lvl="0" algn="ctr" defTabSz="1244600">
+            <a:lnSpc>
+              <a:spcPct val="90000"/>
+            </a:lnSpc>
+            <a:spcBef>
+              <a:spcPct val="0"/>
+            </a:spcBef>
+            <a:spcAft>
+              <a:spcPct val="35000"/>
+            </a:spcAft>
+          </a:pPr>
+          <a:r>
+            <a:rPr lang="zh-TW" altLang="en-US" sz="2800" b="1" kern="1200" dirty="0" smtClean="0"/>
+            <a:t>吳銘彥</a:t>
+          </a:r>
+          <a:endParaRPr lang="en-US" sz="2800" b="1" kern="1200" dirty="0"/>
+        </a:p>
+      </dsp:txBody>
+      <dsp:txXfrm>
+        <a:off x="7886113" y="1308622"/>
+        <a:ext cx="2595094" cy="1768797"/>
+      </dsp:txXfrm>
+    </dsp:sp>
+    <dsp:sp modelId="{C92C53CB-785E-474A-889F-D7DB81EB8D9B}">
+      <dsp:nvSpPr>
+        <dsp:cNvPr id="0" name=""/>
+        <dsp:cNvSpPr/>
+      </dsp:nvSpPr>
+      <dsp:spPr>
+        <a:xfrm rot="178741">
+          <a:off x="7152254" y="4143425"/>
+          <a:ext cx="2244837" cy="663532"/>
+        </a:xfrm>
+        <a:prstGeom prst="leftArrow">
+          <a:avLst>
+            <a:gd name="adj1" fmla="val 60000"/>
+            <a:gd name="adj2" fmla="val 50000"/>
+          </a:avLst>
+        </a:prstGeom>
+        <a:blipFill rotWithShape="0">
+          <a:blip xmlns:r="http://schemas.openxmlformats.org/officeDocument/2006/relationships" r:embed="rId1">
+            <a:duotone>
+              <a:schemeClr val="accent6">
+                <a:hueOff val="0"/>
+                <a:satOff val="0"/>
+                <a:lumOff val="0"/>
+                <a:alphaOff val="0"/>
+                <a:shade val="88000"/>
+                <a:lumMod val="88000"/>
+              </a:schemeClr>
+              <a:schemeClr val="accent6">
+                <a:hueOff val="0"/>
+                <a:satOff val="0"/>
+                <a:lumOff val="0"/>
+                <a:alphaOff val="0"/>
+              </a:schemeClr>
+            </a:duotone>
+          </a:blip>
+          <a:tile tx="0" ty="0" sx="100000" sy="100000" flip="none" algn="tl"/>
+        </a:blipFill>
+        <a:ln>
+          <a:noFill/>
+        </a:ln>
+        <a:effectLst/>
+      </dsp:spPr>
+      <dsp:style>
+        <a:lnRef idx="0">
+          <a:scrgbClr r="0" g="0" b="0"/>
+        </a:lnRef>
+        <a:fillRef idx="3">
+          <a:scrgbClr r="0" g="0" b="0"/>
+        </a:fillRef>
+        <a:effectRef idx="2">
+          <a:scrgbClr r="0" g="0" b="0"/>
+        </a:effectRef>
+        <a:fontRef idx="minor">
+          <a:schemeClr val="lt1"/>
+        </a:fontRef>
+      </dsp:style>
+    </dsp:sp>
+    <dsp:sp modelId="{C4F6C703-7CB4-4014-8A93-592325AE8E4A}">
+      <dsp:nvSpPr>
+        <dsp:cNvPr id="0" name=""/>
+        <dsp:cNvSpPr/>
+      </dsp:nvSpPr>
+      <dsp:spPr>
+        <a:xfrm>
+          <a:off x="7858094" y="3594095"/>
+          <a:ext cx="3074962" cy="1878857"/>
+        </a:xfrm>
+        <a:prstGeom prst="roundRect">
+          <a:avLst>
+            <a:gd name="adj" fmla="val 10000"/>
+          </a:avLst>
+        </a:prstGeom>
+        <a:blipFill rotWithShape="0">
+          <a:blip xmlns:r="http://schemas.openxmlformats.org/officeDocument/2006/relationships" r:embed="rId1">
+            <a:duotone>
+              <a:schemeClr val="accent6">
+                <a:hueOff val="0"/>
+                <a:satOff val="0"/>
+                <a:lumOff val="0"/>
+                <a:alphaOff val="0"/>
+                <a:shade val="88000"/>
+                <a:lumMod val="88000"/>
+              </a:schemeClr>
+              <a:schemeClr val="accent6">
                 <a:hueOff val="0"/>
                 <a:satOff val="0"/>
                 <a:lumOff val="0"/>
@@ -3454,6 +3629,10 @@
             </a:spcAft>
           </a:pPr>
           <a:r>
+            <a:rPr lang="zh-TW" altLang="en-US" sz="2800" b="1" kern="1200" dirty="0" smtClean="0"/>
+            <a:t>張力仁、</a:t>
+          </a:r>
+          <a:r>
             <a:rPr lang="zh-TW" altLang="en-US" sz="2800" b="1" kern="1200" dirty="0" smtClean="0">
               <a:latin typeface="+mn-ea"/>
               <a:ea typeface="+mn-ea"/>
@@ -3467,8 +3646,8 @@
         </a:p>
       </dsp:txBody>
       <dsp:txXfrm>
-        <a:off x="7903231" y="2757592"/>
-        <a:ext cx="2980763" cy="2031667"/>
+        <a:off x="7913124" y="3649125"/>
+        <a:ext cx="2964902" cy="1768797"/>
       </dsp:txXfrm>
     </dsp:sp>
   </dsp:spTree>
@@ -6409,7 +6588,7 @@
           <a:blip r:embed="rId2">
             <a:extLst>
               <a:ext uri="{28A0092B-C50C-407E-A947-70E740481C1C}">
-                <a14:useLocalDpi xmlns:a14="http://schemas.microsoft.com/office/drawing/2010/main" xmlns="" val="0"/>
+                <a14:useLocalDpi xmlns:a14="http://schemas.microsoft.com/office/drawing/2010/main" val="0"/>
               </a:ext>
             </a:extLst>
           </a:blip>
@@ -6834,7 +7013,7 @@
             <a:fld id="{F7AFFB9B-9FB8-469E-96F9-4D32314110B6}" type="datetimeFigureOut">
               <a:rPr lang="en-US" dirty="0"/>
               <a:pPr/>
-              <a:t>6/16/2016</a:t>
+              <a:t>6/17/2016</a:t>
             </a:fld>
             <a:endParaRPr lang="en-US" dirty="0"/>
           </a:p>
@@ -7163,7 +7342,7 @@
             <a:fld id="{341D2AC3-6A0B-4169-B1EA-E3AE8B351BDD}" type="datetimeFigureOut">
               <a:rPr lang="en-US" dirty="0"/>
               <a:pPr/>
-              <a:t>6/16/2016</a:t>
+              <a:t>6/17/2016</a:t>
             </a:fld>
             <a:endParaRPr lang="en-US" dirty="0"/>
           </a:p>
@@ -7356,7 +7535,7 @@
             <a:fld id="{DD4B9363-8B87-41B7-9F8E-64519CBB8F34}" type="datetimeFigureOut">
               <a:rPr lang="en-US" dirty="0"/>
               <a:pPr/>
-              <a:t>6/16/2016</a:t>
+              <a:t>6/17/2016</a:t>
             </a:fld>
             <a:endParaRPr lang="en-US" dirty="0"/>
           </a:p>
@@ -7623,7 +7802,7 @@
             <a:fld id="{EAEF5746-5284-4951-9F37-7AE924EDBCB7}" type="datetimeFigureOut">
               <a:rPr lang="en-US" dirty="0"/>
               <a:pPr/>
-              <a:t>6/16/2016</a:t>
+              <a:t>6/17/2016</a:t>
             </a:fld>
             <a:endParaRPr lang="en-US" dirty="0"/>
           </a:p>
@@ -8048,7 +8227,7 @@
             <a:fld id="{02398B29-7265-4A65-A2A4-6703C057B7C1}" type="datetimeFigureOut">
               <a:rPr lang="en-US" dirty="0"/>
               <a:pPr/>
-              <a:t>6/16/2016</a:t>
+              <a:t>6/17/2016</a:t>
             </a:fld>
             <a:endParaRPr lang="en-US" dirty="0"/>
           </a:p>
@@ -8595,7 +8774,7 @@
             <a:fld id="{28FBA082-94DF-4C4B-A041-6624924AB0A8}" type="datetimeFigureOut">
               <a:rPr lang="en-US" dirty="0"/>
               <a:pPr/>
-              <a:t>6/16/2016</a:t>
+              <a:t>6/17/2016</a:t>
             </a:fld>
             <a:endParaRPr lang="en-US" dirty="0"/>
           </a:p>
@@ -9382,7 +9561,7 @@
             <a:fld id="{B27686C4-3AB5-4E0C-86CA-FB108C350AA9}" type="datetimeFigureOut">
               <a:rPr lang="en-US" dirty="0"/>
               <a:pPr/>
-              <a:t>6/16/2016</a:t>
+              <a:t>6/17/2016</a:t>
             </a:fld>
             <a:endParaRPr lang="en-US" dirty="0"/>
           </a:p>
@@ -9558,7 +9737,7 @@
             <a:fld id="{49FF1211-4E0C-4AB3-B04F-585959BDAFE8}" type="datetimeFigureOut">
               <a:rPr lang="en-US" dirty="0"/>
               <a:pPr/>
-              <a:t>6/16/2016</a:t>
+              <a:t>6/17/2016</a:t>
             </a:fld>
             <a:endParaRPr lang="en-US" dirty="0"/>
           </a:p>
@@ -9739,7 +9918,7 @@
             <a:fld id="{28BDECAF-D3BE-4069-9C78-642ECCD01477}" type="datetimeFigureOut">
               <a:rPr lang="en-US" dirty="0"/>
               <a:pPr/>
-              <a:t>6/16/2016</a:t>
+              <a:t>6/17/2016</a:t>
             </a:fld>
             <a:endParaRPr lang="en-US" dirty="0"/>
           </a:p>
@@ -9911,7 +10090,7 @@
             <a:fld id="{8EFBDC27-E420-4878-9EE6-7B9656D6442A}" type="datetimeFigureOut">
               <a:rPr lang="en-US" dirty="0"/>
               <a:pPr/>
-              <a:t>6/16/2016</a:t>
+              <a:t>6/17/2016</a:t>
             </a:fld>
             <a:endParaRPr lang="en-US" dirty="0"/>
           </a:p>
@@ -10158,7 +10337,7 @@
             <a:fld id="{0F7F47CF-67C9-420C-80A5-E2069FF0C2DF}" type="datetimeFigureOut">
               <a:rPr lang="en-US" dirty="0"/>
               <a:pPr/>
-              <a:t>6/16/2016</a:t>
+              <a:t>6/17/2016</a:t>
             </a:fld>
             <a:endParaRPr lang="en-US" dirty="0"/>
           </a:p>
@@ -10392,7 +10571,7 @@
             <a:fld id="{AE22DC73-F065-42F5-A9F2-D90B2E42A0B3}" type="datetimeFigureOut">
               <a:rPr lang="en-US" dirty="0"/>
               <a:pPr/>
-              <a:t>6/16/2016</a:t>
+              <a:t>6/17/2016</a:t>
             </a:fld>
             <a:endParaRPr lang="en-US" dirty="0"/>
           </a:p>
@@ -10774,7 +10953,7 @@
             <a:fld id="{76BEA702-9B29-41CC-9BCC-3DF8A0D379FE}" type="datetimeFigureOut">
               <a:rPr lang="en-US" dirty="0"/>
               <a:pPr/>
-              <a:t>6/16/2016</a:t>
+              <a:t>6/17/2016</a:t>
             </a:fld>
             <a:endParaRPr lang="en-US" dirty="0"/>
           </a:p>
@@ -10889,7 +11068,7 @@
             <a:fld id="{097649AC-CB8F-4FF1-9A34-5861C74DD0A7}" type="datetimeFigureOut">
               <a:rPr lang="en-US" dirty="0"/>
               <a:pPr/>
-              <a:t>6/16/2016</a:t>
+              <a:t>6/17/2016</a:t>
             </a:fld>
             <a:endParaRPr lang="en-US" dirty="0"/>
           </a:p>
@@ -10981,7 +11160,7 @@
             <a:fld id="{3EC5CECA-2D3A-4680-9B49-752200DE467C}" type="datetimeFigureOut">
               <a:rPr lang="en-US" dirty="0"/>
               <a:pPr/>
-              <a:t>6/16/2016</a:t>
+              <a:t>6/17/2016</a:t>
             </a:fld>
             <a:endParaRPr lang="en-US" dirty="0"/>
           </a:p>
@@ -11231,7 +11410,7 @@
             <a:fld id="{50C3BFE2-83B7-4B0A-B9D3-AB28331082B3}" type="datetimeFigureOut">
               <a:rPr lang="en-US" dirty="0"/>
               <a:pPr/>
-              <a:t>6/16/2016</a:t>
+              <a:t>6/17/2016</a:t>
             </a:fld>
             <a:endParaRPr lang="en-US" dirty="0"/>
           </a:p>
@@ -11497,7 +11676,7 @@
             <a:fld id="{12EF78E3-FDA3-4D28-AAA2-0B81F349A39D}" type="datetimeFigureOut">
               <a:rPr lang="en-US" dirty="0"/>
               <a:pPr/>
-              <a:t>6/16/2016</a:t>
+              <a:t>6/17/2016</a:t>
             </a:fld>
             <a:endParaRPr lang="en-US" dirty="0"/>
           </a:p>
@@ -11588,7 +11767,7 @@
           <a:blip r:embed="rId19">
             <a:extLst>
               <a:ext uri="{28A0092B-C50C-407E-A947-70E740481C1C}">
-                <a14:useLocalDpi xmlns:a14="http://schemas.microsoft.com/office/drawing/2010/main" xmlns="" val="0"/>
+                <a14:useLocalDpi xmlns:a14="http://schemas.microsoft.com/office/drawing/2010/main" val="0"/>
               </a:ext>
             </a:extLst>
           </a:blip>
@@ -11897,7 +12076,7 @@
             <a:fld id="{C35BB1C6-BF8F-4481-8AB2-603A1C8A906A}" type="datetimeFigureOut">
               <a:rPr lang="en-US" dirty="0"/>
               <a:pPr/>
-              <a:t>6/16/2016</a:t>
+              <a:t>6/17/2016</a:t>
             </a:fld>
             <a:endParaRPr lang="en-US" dirty="0"/>
           </a:p>
@@ -12618,10 +12797,64 @@
           </a:p>
         </p:txBody>
       </p:sp>
+      <p:sp>
+        <p:nvSpPr>
+          <p:cNvPr id="5" name="文字方塊 4"/>
+          <p:cNvSpPr txBox="1"/>
+          <p:nvPr/>
+        </p:nvSpPr>
+        <p:spPr>
+          <a:xfrm rot="21417864">
+            <a:off x="319431" y="5269837"/>
+            <a:ext cx="3940344" cy="523220"/>
+          </a:xfrm>
+          <a:prstGeom prst="rect">
+            <a:avLst/>
+          </a:prstGeom>
+          <a:noFill/>
+        </p:spPr>
+        <p:txBody>
+          <a:bodyPr wrap="square" rtlCol="0">
+            <a:spAutoFit/>
+          </a:bodyPr>
+          <a:lstStyle/>
+          <a:p>
+            <a:r>
+              <a:rPr lang="zh-CN" altLang="en-US" sz="2800" dirty="0" smtClean="0">
+                <a:solidFill>
+                  <a:schemeClr val="bg1"/>
+                </a:solidFill>
+              </a:rPr>
+              <a:t>指導老師：</a:t>
+            </a:r>
+            <a:r>
+              <a:rPr lang="en-US" altLang="zh-CN" sz="2800" dirty="0" smtClean="0">
+                <a:solidFill>
+                  <a:schemeClr val="bg1"/>
+                </a:solidFill>
+              </a:rPr>
+              <a:t>Jerry</a:t>
+            </a:r>
+            <a:r>
+              <a:rPr lang="zh-CN" altLang="en-US" sz="2800" dirty="0" smtClean="0">
+                <a:solidFill>
+                  <a:schemeClr val="bg1"/>
+                </a:solidFill>
+              </a:rPr>
+              <a:t>吳柏翰</a:t>
+            </a:r>
+            <a:endParaRPr lang="en-US" sz="2800" dirty="0">
+              <a:solidFill>
+                <a:schemeClr val="bg1"/>
+              </a:solidFill>
+            </a:endParaRPr>
+          </a:p>
+        </p:txBody>
+      </p:sp>
     </p:spTree>
     <p:extLst>
       <p:ext uri="{BB962C8B-B14F-4D97-AF65-F5344CB8AC3E}">
-        <p14:creationId xmlns:p14="http://schemas.microsoft.com/office/powerpoint/2010/main" xmlns="" val="1668630496"/>
+        <p14:creationId xmlns:p14="http://schemas.microsoft.com/office/powerpoint/2010/main" val="1668630496"/>
       </p:ext>
     </p:extLst>
   </p:cSld>
@@ -14551,7 +14784,7 @@
     </p:spTree>
     <p:extLst>
       <p:ext uri="{BB962C8B-B14F-4D97-AF65-F5344CB8AC3E}">
-        <p14:creationId xmlns:p14="http://schemas.microsoft.com/office/powerpoint/2010/main" xmlns="" val="3573157567"/>
+        <p14:creationId xmlns:p14="http://schemas.microsoft.com/office/powerpoint/2010/main" val="3573157567"/>
       </p:ext>
     </p:extLst>
   </p:cSld>
@@ -14703,7 +14936,7 @@
             <a:blip r:embed="rId2">
               <a:extLst>
                 <a:ext uri="{28A0092B-C50C-407E-A947-70E740481C1C}">
-                  <a14:useLocalDpi xmlns:a14="http://schemas.microsoft.com/office/drawing/2010/main" xmlns="" val="0"/>
+                  <a14:useLocalDpi xmlns:a14="http://schemas.microsoft.com/office/drawing/2010/main" val="0"/>
                 </a:ext>
               </a:extLst>
             </a:blip>
@@ -14854,7 +15087,7 @@
     </p:spTree>
     <p:extLst>
       <p:ext uri="{BB962C8B-B14F-4D97-AF65-F5344CB8AC3E}">
-        <p14:creationId xmlns:p14="http://schemas.microsoft.com/office/powerpoint/2010/main" xmlns="" val="3364715806"/>
+        <p14:creationId xmlns:p14="http://schemas.microsoft.com/office/powerpoint/2010/main" val="3364715806"/>
       </p:ext>
     </p:extLst>
   </p:cSld>
@@ -14895,7 +15128,7 @@
           <p:nvPr>
             <p:extLst>
               <p:ext uri="{D42A27DB-BD31-4B8C-83A1-F6EECF244321}">
-                <p14:modId xmlns:p14="http://schemas.microsoft.com/office/powerpoint/2010/main" xmlns="" val="1923296592"/>
+                <p14:modId xmlns:p14="http://schemas.microsoft.com/office/powerpoint/2010/main" val="1923296592"/>
               </p:ext>
             </p:extLst>
           </p:nvPr>
@@ -14913,7 +15146,7 @@
     </p:spTree>
     <p:extLst>
       <p:ext uri="{BB962C8B-B14F-4D97-AF65-F5344CB8AC3E}">
-        <p14:creationId xmlns:p14="http://schemas.microsoft.com/office/powerpoint/2010/main" xmlns="" val="133030553"/>
+        <p14:creationId xmlns:p14="http://schemas.microsoft.com/office/powerpoint/2010/main" val="133030553"/>
       </p:ext>
     </p:extLst>
   </p:cSld>
@@ -15081,7 +15314,7 @@
             <a:blip r:embed="rId2">
               <a:extLst>
                 <a:ext uri="{28A0092B-C50C-407E-A947-70E740481C1C}">
-                  <a14:useLocalDpi xmlns:a14="http://schemas.microsoft.com/office/drawing/2010/main" xmlns="" val="0"/>
+                  <a14:useLocalDpi xmlns:a14="http://schemas.microsoft.com/office/drawing/2010/main" val="0"/>
                 </a:ext>
               </a:extLst>
             </a:blip>
@@ -15232,7 +15465,7 @@
     </p:spTree>
     <p:extLst>
       <p:ext uri="{BB962C8B-B14F-4D97-AF65-F5344CB8AC3E}">
-        <p14:creationId xmlns:p14="http://schemas.microsoft.com/office/powerpoint/2010/main" xmlns="" val="3314824726"/>
+        <p14:creationId xmlns:p14="http://schemas.microsoft.com/office/powerpoint/2010/main" val="3314824726"/>
       </p:ext>
     </p:extLst>
   </p:cSld>
@@ -15273,7 +15506,7 @@
           <p:nvPr>
             <p:extLst>
               <p:ext uri="{D42A27DB-BD31-4B8C-83A1-F6EECF244321}">
-                <p14:modId xmlns:p14="http://schemas.microsoft.com/office/powerpoint/2010/main" xmlns="" val="2618221051"/>
+                <p14:modId xmlns:p14="http://schemas.microsoft.com/office/powerpoint/2010/main" val="2618221051"/>
               </p:ext>
             </p:extLst>
           </p:nvPr>
@@ -15359,10 +15592,10 @@
             <p:nvPr/>
           </p:nvPicPr>
           <p:blipFill>
-            <a:blip r:embed="rId6">
+            <a:blip r:embed="rId7">
               <a:extLst>
                 <a:ext uri="{28A0092B-C50C-407E-A947-70E740481C1C}">
-                  <a14:useLocalDpi xmlns:a14="http://schemas.microsoft.com/office/drawing/2010/main" xmlns="" val="0"/>
+                  <a14:useLocalDpi xmlns:a14="http://schemas.microsoft.com/office/drawing/2010/main" val="0"/>
                 </a:ext>
               </a:extLst>
             </a:blip>
@@ -15489,7 +15722,7 @@
     </p:spTree>
     <p:extLst>
       <p:ext uri="{BB962C8B-B14F-4D97-AF65-F5344CB8AC3E}">
-        <p14:creationId xmlns:p14="http://schemas.microsoft.com/office/powerpoint/2010/main" xmlns="" val="3884019000"/>
+        <p14:creationId xmlns:p14="http://schemas.microsoft.com/office/powerpoint/2010/main" val="3884019000"/>
       </p:ext>
     </p:extLst>
   </p:cSld>
@@ -15641,7 +15874,7 @@
             <a:blip r:embed="rId2">
               <a:extLst>
                 <a:ext uri="{28A0092B-C50C-407E-A947-70E740481C1C}">
-                  <a14:useLocalDpi xmlns:a14="http://schemas.microsoft.com/office/drawing/2010/main" xmlns="" val="0"/>
+                  <a14:useLocalDpi xmlns:a14="http://schemas.microsoft.com/office/drawing/2010/main" val="0"/>
                 </a:ext>
               </a:extLst>
             </a:blip>
@@ -15768,7 +16001,7 @@
     </p:spTree>
     <p:extLst>
       <p:ext uri="{BB962C8B-B14F-4D97-AF65-F5344CB8AC3E}">
-        <p14:creationId xmlns:p14="http://schemas.microsoft.com/office/powerpoint/2010/main" xmlns="" val="4077177780"/>
+        <p14:creationId xmlns:p14="http://schemas.microsoft.com/office/powerpoint/2010/main" val="4077177780"/>
       </p:ext>
     </p:extLst>
   </p:cSld>
@@ -15859,6 +16092,13 @@
   <p:clrMapOvr>
     <a:masterClrMapping/>
   </p:clrMapOvr>
+  <p:timing>
+    <p:tnLst>
+      <p:par>
+        <p:cTn id="1" dur="indefinite" restart="never" nodeType="tmRoot"/>
+      </p:par>
+    </p:tnLst>
+  </p:timing>
 </p:sld>
 </file>
 
@@ -15936,6 +16176,13 @@
   <p:clrMapOvr>
     <a:masterClrMapping/>
   </p:clrMapOvr>
+  <p:timing>
+    <p:tnLst>
+      <p:par>
+        <p:cTn id="1" dur="indefinite" restart="never" nodeType="tmRoot"/>
+      </p:par>
+    </p:tnLst>
+  </p:timing>
 </p:sld>
 </file>
 
@@ -16111,6 +16358,13 @@
   <p:clrMapOvr>
     <a:masterClrMapping/>
   </p:clrMapOvr>
+  <p:timing>
+    <p:tnLst>
+      <p:par>
+        <p:cTn id="1" dur="indefinite" restart="never" nodeType="tmRoot"/>
+      </p:par>
+    </p:tnLst>
+  </p:timing>
 </p:sld>
 </file>
 
@@ -16214,6 +16468,13 @@
   <p:clrMapOvr>
     <a:masterClrMapping/>
   </p:clrMapOvr>
+  <p:timing>
+    <p:tnLst>
+      <p:par>
+        <p:cTn id="1" dur="indefinite" restart="never" nodeType="tmRoot"/>
+      </p:par>
+    </p:tnLst>
+  </p:timing>
 </p:sld>
 </file>
 
@@ -16294,19 +16555,7 @@
                   </a:outerShdw>
                 </a:effectLst>
               </a:rPr>
-              <a:t>代</a:t>
-            </a:r>
-            <a:r>
-              <a:rPr lang="zh-TW" altLang="en-US" b="1" dirty="0" smtClean="0">
-                <a:effectLst>
-                  <a:outerShdw blurRad="38100" dist="38100" dir="2700000" algn="tl">
-                    <a:srgbClr val="000000">
-                      <a:alpha val="43137"/>
-                    </a:srgbClr>
-                  </a:outerShdw>
-                </a:effectLst>
-              </a:rPr>
-              <a:t>買、代購</a:t>
+              <a:t>代買、代購</a:t>
             </a:r>
             <a:r>
               <a:rPr lang="zh-CN" altLang="en-US" b="1" dirty="0" smtClean="0">
@@ -16318,19 +16567,7 @@
                   </a:outerShdw>
                 </a:effectLst>
               </a:rPr>
-              <a:t>的</a:t>
-            </a:r>
-            <a:r>
-              <a:rPr lang="zh-CN" altLang="en-US" b="1" dirty="0" smtClean="0">
-                <a:effectLst>
-                  <a:outerShdw blurRad="38100" dist="38100" dir="2700000" algn="tl">
-                    <a:srgbClr val="000000">
-                      <a:alpha val="43137"/>
-                    </a:srgbClr>
-                  </a:outerShdw>
-                </a:effectLst>
-              </a:rPr>
-              <a:t>概念。</a:t>
+              <a:t>的概念。</a:t>
             </a:r>
             <a:endParaRPr lang="en-US" b="1" dirty="0">
               <a:effectLst>
@@ -16421,7 +16658,7 @@
             <a:blip r:embed="rId2">
               <a:extLst>
                 <a:ext uri="{28A0092B-C50C-407E-A947-70E740481C1C}">
-                  <a14:useLocalDpi xmlns:a14="http://schemas.microsoft.com/office/drawing/2010/main" xmlns="" val="0"/>
+                  <a14:useLocalDpi xmlns:a14="http://schemas.microsoft.com/office/drawing/2010/main" val="0"/>
                 </a:ext>
               </a:extLst>
             </a:blip>
@@ -16572,7 +16809,7 @@
     </p:spTree>
     <p:extLst>
       <p:ext uri="{BB962C8B-B14F-4D97-AF65-F5344CB8AC3E}">
-        <p14:creationId xmlns:p14="http://schemas.microsoft.com/office/powerpoint/2010/main" xmlns="" val="1519741275"/>
+        <p14:creationId xmlns:p14="http://schemas.microsoft.com/office/powerpoint/2010/main" val="1519741275"/>
       </p:ext>
     </p:extLst>
   </p:cSld>
@@ -16886,6 +17123,13 @@
   <p:clrMapOvr>
     <a:masterClrMapping/>
   </p:clrMapOvr>
+  <p:timing>
+    <p:tnLst>
+      <p:par>
+        <p:cTn id="1" dur="indefinite" restart="never" nodeType="tmRoot"/>
+      </p:par>
+    </p:tnLst>
+  </p:timing>
 </p:sld>
 </file>
 
@@ -17024,7 +17268,7 @@
             <a:blip r:embed="rId2">
               <a:extLst>
                 <a:ext uri="{28A0092B-C50C-407E-A947-70E740481C1C}">
-                  <a14:useLocalDpi xmlns:a14="http://schemas.microsoft.com/office/drawing/2010/main" xmlns="" val="0"/>
+                  <a14:useLocalDpi xmlns:a14="http://schemas.microsoft.com/office/drawing/2010/main" val="0"/>
                 </a:ext>
               </a:extLst>
             </a:blip>
@@ -17151,13 +17395,145 @@
     </p:spTree>
     <p:extLst>
       <p:ext uri="{BB962C8B-B14F-4D97-AF65-F5344CB8AC3E}">
-        <p14:creationId xmlns:p14="http://schemas.microsoft.com/office/powerpoint/2010/main" xmlns="" val="3770943721"/>
+        <p14:creationId xmlns:p14="http://schemas.microsoft.com/office/powerpoint/2010/main" val="3770943721"/>
       </p:ext>
     </p:extLst>
   </p:cSld>
   <p:clrMapOvr>
     <a:masterClrMapping/>
   </p:clrMapOvr>
+  <p:timing>
+    <p:tnLst>
+      <p:par>
+        <p:cTn id="1" dur="indefinite" restart="never" nodeType="tmRoot"/>
+      </p:par>
+    </p:tnLst>
+  </p:timing>
+</p:sld>
+</file>
+
+<file path=ppt/slides/slide23.xml><?xml version="1.0" encoding="utf-8"?>
+<p:sld xmlns:a="http://schemas.openxmlformats.org/drawingml/2006/main" xmlns:r="http://schemas.openxmlformats.org/officeDocument/2006/relationships" xmlns:p="http://schemas.openxmlformats.org/presentationml/2006/main" show="0">
+  <p:cSld>
+    <p:spTree>
+      <p:nvGrpSpPr>
+        <p:cNvPr id="1" name=""/>
+        <p:cNvGrpSpPr/>
+        <p:nvPr/>
+      </p:nvGrpSpPr>
+      <p:grpSpPr>
+        <a:xfrm>
+          <a:off x="0" y="0"/>
+          <a:ext cx="0" cy="0"/>
+          <a:chOff x="0" y="0"/>
+          <a:chExt cx="0" cy="0"/>
+        </a:xfrm>
+      </p:grpSpPr>
+      <p:sp>
+        <p:nvSpPr>
+          <p:cNvPr id="2" name="文字方塊 1"/>
+          <p:cNvSpPr txBox="1"/>
+          <p:nvPr/>
+        </p:nvSpPr>
+        <p:spPr>
+          <a:xfrm>
+            <a:off x="3092824" y="847165"/>
+            <a:ext cx="5346335" cy="4154984"/>
+          </a:xfrm>
+          <a:prstGeom prst="rect">
+            <a:avLst/>
+          </a:prstGeom>
+          <a:noFill/>
+        </p:spPr>
+        <p:txBody>
+          <a:bodyPr wrap="none" rtlCol="0">
+            <a:spAutoFit/>
+          </a:bodyPr>
+          <a:lstStyle/>
+          <a:p>
+            <a:pPr algn="ctr"/>
+            <a:r>
+              <a:rPr lang="zh-CN" altLang="en-US" sz="6600" b="1" dirty="0" smtClean="0"/>
+              <a:t>吳銘彥：</a:t>
+            </a:r>
+            <a:r>
+              <a:rPr lang="en-US" altLang="zh-CN" sz="6600" b="1" dirty="0" smtClean="0"/>
+              <a:t>85</a:t>
+            </a:r>
+            <a:r>
+              <a:rPr lang="zh-CN" altLang="en-US" sz="6600" b="1" dirty="0" smtClean="0"/>
+              <a:t>分</a:t>
+            </a:r>
+            <a:endParaRPr lang="en-US" altLang="zh-CN" sz="6600" b="1" dirty="0" smtClean="0"/>
+          </a:p>
+          <a:p>
+            <a:pPr algn="ctr"/>
+            <a:r>
+              <a:rPr lang="zh-CN" altLang="en-US" sz="6600" b="1" dirty="0" smtClean="0"/>
+              <a:t>張力仁：</a:t>
+            </a:r>
+            <a:r>
+              <a:rPr lang="en-US" altLang="zh-CN" sz="6600" b="1" dirty="0" smtClean="0"/>
+              <a:t>95</a:t>
+            </a:r>
+            <a:r>
+              <a:rPr lang="zh-CN" altLang="en-US" sz="6600" b="1" dirty="0" smtClean="0"/>
+              <a:t>分</a:t>
+            </a:r>
+            <a:endParaRPr lang="en-US" altLang="zh-CN" sz="6600" b="1" dirty="0" smtClean="0"/>
+          </a:p>
+          <a:p>
+            <a:pPr algn="ctr"/>
+            <a:r>
+              <a:rPr lang="zh-CN" altLang="en-US" sz="6600" b="1" dirty="0" smtClean="0"/>
+              <a:t>王仁顥：</a:t>
+            </a:r>
+            <a:r>
+              <a:rPr lang="en-US" altLang="zh-CN" sz="6600" b="1" dirty="0" smtClean="0"/>
+              <a:t>95</a:t>
+            </a:r>
+            <a:r>
+              <a:rPr lang="zh-CN" altLang="en-US" sz="6600" b="1" dirty="0" smtClean="0"/>
+              <a:t>分</a:t>
+            </a:r>
+            <a:endParaRPr lang="en-US" altLang="zh-CN" sz="6600" b="1" dirty="0" smtClean="0"/>
+          </a:p>
+          <a:p>
+            <a:pPr algn="ctr"/>
+            <a:r>
+              <a:rPr lang="zh-CN" altLang="en-US" sz="6600" b="1" dirty="0" smtClean="0"/>
+              <a:t>張美詩：</a:t>
+            </a:r>
+            <a:r>
+              <a:rPr lang="en-US" altLang="zh-CN" sz="6600" b="1" dirty="0" smtClean="0"/>
+              <a:t>90</a:t>
+            </a:r>
+            <a:r>
+              <a:rPr lang="zh-CN" altLang="en-US" sz="6600" b="1" dirty="0" smtClean="0"/>
+              <a:t>分</a:t>
+            </a:r>
+            <a:endParaRPr lang="en-US" sz="6600" b="1" dirty="0"/>
+          </a:p>
+        </p:txBody>
+      </p:sp>
+    </p:spTree>
+    <p:extLst>
+      <p:ext uri="{BB962C8B-B14F-4D97-AF65-F5344CB8AC3E}">
+        <p14:creationId xmlns:p14="http://schemas.microsoft.com/office/powerpoint/2010/main" val="3098559720"/>
+      </p:ext>
+    </p:extLst>
+  </p:cSld>
+  <p:clrMapOvr>
+    <a:masterClrMapping/>
+  </p:clrMapOvr>
+  <mc:AlternateContent xmlns:mc="http://schemas.openxmlformats.org/markup-compatibility/2006">
+    <mc:Choice xmlns:p14="http://schemas.microsoft.com/office/powerpoint/2010/main" Requires="p14">
+      <p:transition spd="slow" p14:dur="2000"/>
+    </mc:Choice>
+    <mc:Fallback>
+      <p:transition spd="slow"/>
+    </mc:Fallback>
+  </mc:AlternateContent>
   <p:timing>
     <p:tnLst>
       <p:par>
@@ -17385,7 +17761,7 @@
             <a:blip r:embed="rId3">
               <a:extLst>
                 <a:ext uri="{28A0092B-C50C-407E-A947-70E740481C1C}">
-                  <a14:useLocalDpi xmlns:a14="http://schemas.microsoft.com/office/drawing/2010/main" xmlns="" val="0"/>
+                  <a14:useLocalDpi xmlns:a14="http://schemas.microsoft.com/office/drawing/2010/main" val="0"/>
                 </a:ext>
               </a:extLst>
             </a:blip>
@@ -17611,7 +17987,7 @@
     </p:spTree>
     <p:extLst>
       <p:ext uri="{BB962C8B-B14F-4D97-AF65-F5344CB8AC3E}">
-        <p14:creationId xmlns:p14="http://schemas.microsoft.com/office/powerpoint/2010/main" xmlns="" val="2267322557"/>
+        <p14:creationId xmlns:p14="http://schemas.microsoft.com/office/powerpoint/2010/main" val="2267322557"/>
       </p:ext>
     </p:extLst>
   </p:cSld>
@@ -17845,7 +18221,7 @@
             <a:blip r:embed="rId3">
               <a:extLst>
                 <a:ext uri="{28A0092B-C50C-407E-A947-70E740481C1C}">
-                  <a14:useLocalDpi xmlns:a14="http://schemas.microsoft.com/office/drawing/2010/main" xmlns="" val="0"/>
+                  <a14:useLocalDpi xmlns:a14="http://schemas.microsoft.com/office/drawing/2010/main" val="0"/>
                 </a:ext>
               </a:extLst>
             </a:blip>
@@ -18102,20 +18478,7 @@
                 <a:latin typeface="華康龍門石碑" panose="03000909000000000000" pitchFamily="65" charset="-120"/>
                 <a:ea typeface="華康龍門石碑" panose="03000909000000000000" pitchFamily="65" charset="-120"/>
               </a:rPr>
-              <a:t>能</a:t>
-            </a:r>
-            <a:r>
-              <a:rPr lang="zh-TW" altLang="en-US" sz="4000" dirty="0" smtClean="0">
-                <a:solidFill>
-                  <a:schemeClr val="accent1">
-                    <a:lumMod val="60000"/>
-                    <a:lumOff val="40000"/>
-                  </a:schemeClr>
-                </a:solidFill>
-                <a:latin typeface="華康龍門石碑" panose="03000909000000000000" pitchFamily="65" charset="-120"/>
-                <a:ea typeface="華康龍門石碑" panose="03000909000000000000" pitchFamily="65" charset="-120"/>
-              </a:rPr>
-              <a:t>讓粲木跟銘彥說幫買！</a:t>
+              <a:t>能讓粲木跟銘彥說幫買！</a:t>
             </a:r>
             <a:endParaRPr lang="zh-TW" altLang="en-US" sz="4000" dirty="0">
               <a:solidFill>
@@ -18133,7 +18496,7 @@
     </p:spTree>
     <p:extLst>
       <p:ext uri="{BB962C8B-B14F-4D97-AF65-F5344CB8AC3E}">
-        <p14:creationId xmlns:p14="http://schemas.microsoft.com/office/powerpoint/2010/main" xmlns="" val="2267322557"/>
+        <p14:creationId xmlns:p14="http://schemas.microsoft.com/office/powerpoint/2010/main" val="2267322557"/>
       </p:ext>
     </p:extLst>
   </p:cSld>
@@ -18307,7 +18670,7 @@
             <a:blip r:embed="rId2">
               <a:extLst>
                 <a:ext uri="{28A0092B-C50C-407E-A947-70E740481C1C}">
-                  <a14:useLocalDpi xmlns:a14="http://schemas.microsoft.com/office/drawing/2010/main" xmlns="" val="0"/>
+                  <a14:useLocalDpi xmlns:a14="http://schemas.microsoft.com/office/drawing/2010/main" val="0"/>
                 </a:ext>
               </a:extLst>
             </a:blip>
@@ -18458,7 +18821,7 @@
     </p:spTree>
     <p:extLst>
       <p:ext uri="{BB962C8B-B14F-4D97-AF65-F5344CB8AC3E}">
-        <p14:creationId xmlns:p14="http://schemas.microsoft.com/office/powerpoint/2010/main" xmlns="" val="2267322557"/>
+        <p14:creationId xmlns:p14="http://schemas.microsoft.com/office/powerpoint/2010/main" val="2267322557"/>
       </p:ext>
     </p:extLst>
   </p:cSld>
@@ -18632,7 +18995,7 @@
             <a:blip r:embed="rId2">
               <a:extLst>
                 <a:ext uri="{28A0092B-C50C-407E-A947-70E740481C1C}">
-                  <a14:useLocalDpi xmlns:a14="http://schemas.microsoft.com/office/drawing/2010/main" xmlns="" val="0"/>
+                  <a14:useLocalDpi xmlns:a14="http://schemas.microsoft.com/office/drawing/2010/main" val="0"/>
                 </a:ext>
               </a:extLst>
             </a:blip>
@@ -18783,7 +19146,7 @@
     </p:spTree>
     <p:extLst>
       <p:ext uri="{BB962C8B-B14F-4D97-AF65-F5344CB8AC3E}">
-        <p14:creationId xmlns:p14="http://schemas.microsoft.com/office/powerpoint/2010/main" xmlns="" val="2267322557"/>
+        <p14:creationId xmlns:p14="http://schemas.microsoft.com/office/powerpoint/2010/main" val="2267322557"/>
       </p:ext>
     </p:extLst>
   </p:cSld>
@@ -18997,7 +19360,7 @@
             <a:blip r:embed="rId2">
               <a:extLst>
                 <a:ext uri="{28A0092B-C50C-407E-A947-70E740481C1C}">
-                  <a14:useLocalDpi xmlns:a14="http://schemas.microsoft.com/office/drawing/2010/main" xmlns="" val="0"/>
+                  <a14:useLocalDpi xmlns:a14="http://schemas.microsoft.com/office/drawing/2010/main" val="0"/>
                 </a:ext>
               </a:extLst>
             </a:blip>
@@ -19148,7 +19511,7 @@
     </p:spTree>
     <p:extLst>
       <p:ext uri="{BB962C8B-B14F-4D97-AF65-F5344CB8AC3E}">
-        <p14:creationId xmlns:p14="http://schemas.microsoft.com/office/powerpoint/2010/main" xmlns="" val="1301886466"/>
+        <p14:creationId xmlns:p14="http://schemas.microsoft.com/office/powerpoint/2010/main" val="1301886466"/>
       </p:ext>
     </p:extLst>
   </p:cSld>
@@ -19484,7 +19847,7 @@
             <a:blip r:embed="rId2">
               <a:extLst>
                 <a:ext uri="{28A0092B-C50C-407E-A947-70E740481C1C}">
-                  <a14:useLocalDpi xmlns:a14="http://schemas.microsoft.com/office/drawing/2010/main" xmlns="" val="0"/>
+                  <a14:useLocalDpi xmlns:a14="http://schemas.microsoft.com/office/drawing/2010/main" val="0"/>
                 </a:ext>
               </a:extLst>
             </a:blip>
@@ -19611,7 +19974,7 @@
     </p:spTree>
     <p:extLst>
       <p:ext uri="{BB962C8B-B14F-4D97-AF65-F5344CB8AC3E}">
-        <p14:creationId xmlns:p14="http://schemas.microsoft.com/office/powerpoint/2010/main" xmlns="" val="3486542556"/>
+        <p14:creationId xmlns:p14="http://schemas.microsoft.com/office/powerpoint/2010/main" val="3486542556"/>
       </p:ext>
     </p:extLst>
   </p:cSld>
@@ -19786,7 +20149,7 @@
             <a:blip r:embed="rId2">
               <a:extLst>
                 <a:ext uri="{28A0092B-C50C-407E-A947-70E740481C1C}">
-                  <a14:useLocalDpi xmlns:a14="http://schemas.microsoft.com/office/drawing/2010/main" xmlns="" val="0"/>
+                  <a14:useLocalDpi xmlns:a14="http://schemas.microsoft.com/office/drawing/2010/main" val="0"/>
                 </a:ext>
               </a:extLst>
             </a:blip>
@@ -19937,7 +20300,7 @@
     </p:spTree>
     <p:extLst>
       <p:ext uri="{BB962C8B-B14F-4D97-AF65-F5344CB8AC3E}">
-        <p14:creationId xmlns:p14="http://schemas.microsoft.com/office/powerpoint/2010/main" xmlns="" val="1437862181"/>
+        <p14:creationId xmlns:p14="http://schemas.microsoft.com/office/powerpoint/2010/main" val="1437862181"/>
       </p:ext>
     </p:extLst>
   </p:cSld>
@@ -20175,7 +20538,7 @@
   <a:extraClrSchemeLst/>
   <a:extLst>
     <a:ext uri="{05A4C25C-085E-4340-85A3-A5531E510DB2}">
-      <thm15:themeFamily xmlns="" xmlns:thm15="http://schemas.microsoft.com/office/thememl/2012/main" name="Main Event" id="{AC372BB4-D83D-411E-B849-B641926BA760}" vid="{F1EFBDE3-1A95-4E3D-81AD-1F53D65BEA01}"/>
+      <thm15:themeFamily xmlns:thm15="http://schemas.microsoft.com/office/thememl/2012/main" name="Main Event" id="{AC372BB4-D83D-411E-B849-B641926BA760}" vid="{F1EFBDE3-1A95-4E3D-81AD-1F53D65BEA01}"/>
     </a:ext>
   </a:extLst>
 </a:theme>
